--- a/images/image_modifications.pptx
+++ b/images/image_modifications.pptx
@@ -6,6 +6,7 @@
   </p:sldMasterIdLst>
   <p:sldIdLst>
     <p:sldId id="256" r:id="rId2"/>
+    <p:sldId id="257" r:id="rId3"/>
   </p:sldIdLst>
   <p:sldSz cx="12192000" cy="6858000"/>
   <p:notesSz cx="6858000" cy="9144000"/>
@@ -104,7 +105,208 @@
       </a:defRPr>
     </a:lvl9pPr>
   </p:defaultTextStyle>
+  <p:extLst>
+    <p:ext uri="{EFAFB233-063F-42B5-8137-9DF3F51BA10A}">
+      <p15:sldGuideLst xmlns:p15="http://schemas.microsoft.com/office/powerpoint/2012/main"/>
+    </p:ext>
+  </p:extLst>
 </p:presentation>
+</file>
+
+<file path=ppt/revisionInfo.xml><?xml version="1.0" encoding="utf-8"?>
+<p1510:revInfo xmlns:a="http://schemas.openxmlformats.org/drawingml/2006/main" xmlns:r="http://schemas.openxmlformats.org/officeDocument/2006/relationships" xmlns:p1510="http://schemas.microsoft.com/office/powerpoint/2015/10/main">
+  <p1510:revLst>
+    <p1510:client id="{5D59B883-21D3-43DC-8AD3-BB76E0B01A4D}" v="17" dt="2023-06-07T10:50:15.365"/>
+  </p1510:revLst>
+</p1510:revInfo>
+</file>
+
+<file path=ppt/changesInfos/changesInfo1.xml><?xml version="1.0" encoding="utf-8"?>
+<pc:chgInfo xmlns:a="http://schemas.openxmlformats.org/drawingml/2006/main" xmlns:r="http://schemas.openxmlformats.org/officeDocument/2006/relationships" xmlns:ac="http://schemas.microsoft.com/office/drawing/2013/main/command" xmlns:pc="http://schemas.microsoft.com/office/powerpoint/2013/main/command">
+  <pc:docChgLst>
+    <pc:chgData name="Anita Aliu" userId="4ca58236-9e10-4da9-8b89-4f07c48ee56d" providerId="ADAL" clId="{5D59B883-21D3-43DC-8AD3-BB76E0B01A4D}"/>
+    <pc:docChg chg="undo custSel addSld modSld">
+      <pc:chgData name="Anita Aliu" userId="4ca58236-9e10-4da9-8b89-4f07c48ee56d" providerId="ADAL" clId="{5D59B883-21D3-43DC-8AD3-BB76E0B01A4D}" dt="2023-06-07T10:58:12.103" v="108" actId="1076"/>
+      <pc:docMkLst>
+        <pc:docMk/>
+      </pc:docMkLst>
+      <pc:sldChg chg="addSp delSp modSp mod">
+        <pc:chgData name="Anita Aliu" userId="4ca58236-9e10-4da9-8b89-4f07c48ee56d" providerId="ADAL" clId="{5D59B883-21D3-43DC-8AD3-BB76E0B01A4D}" dt="2023-06-07T10:58:12.103" v="108" actId="1076"/>
+        <pc:sldMkLst>
+          <pc:docMk/>
+          <pc:sldMk cId="22507907" sldId="256"/>
+        </pc:sldMkLst>
+        <pc:spChg chg="mod">
+          <ac:chgData name="Anita Aliu" userId="4ca58236-9e10-4da9-8b89-4f07c48ee56d" providerId="ADAL" clId="{5D59B883-21D3-43DC-8AD3-BB76E0B01A4D}" dt="2023-06-07T10:45:27.143" v="0"/>
+          <ac:spMkLst>
+            <pc:docMk/>
+            <pc:sldMk cId="22507907" sldId="256"/>
+            <ac:spMk id="4" creationId="{6709020C-FDAF-3C80-D015-A2B598A4041B}"/>
+          </ac:spMkLst>
+        </pc:spChg>
+        <pc:spChg chg="add del mod topLvl">
+          <ac:chgData name="Anita Aliu" userId="4ca58236-9e10-4da9-8b89-4f07c48ee56d" providerId="ADAL" clId="{5D59B883-21D3-43DC-8AD3-BB76E0B01A4D}" dt="2023-06-07T10:49:09.047" v="78" actId="21"/>
+          <ac:spMkLst>
+            <pc:docMk/>
+            <pc:sldMk cId="22507907" sldId="256"/>
+            <ac:spMk id="6" creationId="{67E1A4CE-F89D-061D-1C85-BD1F70CC4470}"/>
+          </ac:spMkLst>
+        </pc:spChg>
+        <pc:spChg chg="add mod">
+          <ac:chgData name="Anita Aliu" userId="4ca58236-9e10-4da9-8b89-4f07c48ee56d" providerId="ADAL" clId="{5D59B883-21D3-43DC-8AD3-BB76E0B01A4D}" dt="2023-06-07T10:47:23.492" v="53" actId="2085"/>
+          <ac:spMkLst>
+            <pc:docMk/>
+            <pc:sldMk cId="22507907" sldId="256"/>
+            <ac:spMk id="8" creationId="{C0D070FE-5563-3E15-A756-D0D10E648D41}"/>
+          </ac:spMkLst>
+        </pc:spChg>
+        <pc:spChg chg="add mod">
+          <ac:chgData name="Anita Aliu" userId="4ca58236-9e10-4da9-8b89-4f07c48ee56d" providerId="ADAL" clId="{5D59B883-21D3-43DC-8AD3-BB76E0B01A4D}" dt="2023-06-07T10:50:27.239" v="94" actId="2085"/>
+          <ac:spMkLst>
+            <pc:docMk/>
+            <pc:sldMk cId="22507907" sldId="256"/>
+            <ac:spMk id="14" creationId="{46E9E1D7-8DEB-1778-75D4-5C36E4887E7D}"/>
+          </ac:spMkLst>
+        </pc:spChg>
+        <pc:spChg chg="add mod">
+          <ac:chgData name="Anita Aliu" userId="4ca58236-9e10-4da9-8b89-4f07c48ee56d" providerId="ADAL" clId="{5D59B883-21D3-43DC-8AD3-BB76E0B01A4D}" dt="2023-06-07T10:50:27.239" v="94" actId="2085"/>
+          <ac:spMkLst>
+            <pc:docMk/>
+            <pc:sldMk cId="22507907" sldId="256"/>
+            <ac:spMk id="18" creationId="{721BB292-0E99-AC3E-1986-BEAFA9280261}"/>
+          </ac:spMkLst>
+        </pc:spChg>
+        <pc:spChg chg="add mod">
+          <ac:chgData name="Anita Aliu" userId="4ca58236-9e10-4da9-8b89-4f07c48ee56d" providerId="ADAL" clId="{5D59B883-21D3-43DC-8AD3-BB76E0B01A4D}" dt="2023-06-07T10:50:27.239" v="94" actId="2085"/>
+          <ac:spMkLst>
+            <pc:docMk/>
+            <pc:sldMk cId="22507907" sldId="256"/>
+            <ac:spMk id="19" creationId="{09DDFDA7-85D0-E4B7-F4F5-F919165D87D1}"/>
+          </ac:spMkLst>
+        </pc:spChg>
+        <pc:grpChg chg="add mod">
+          <ac:chgData name="Anita Aliu" userId="4ca58236-9e10-4da9-8b89-4f07c48ee56d" providerId="ADAL" clId="{5D59B883-21D3-43DC-8AD3-BB76E0B01A4D}" dt="2023-06-07T10:58:02.292" v="105" actId="1076"/>
+          <ac:grpSpMkLst>
+            <pc:docMk/>
+            <pc:sldMk cId="22507907" sldId="256"/>
+            <ac:grpSpMk id="2" creationId="{7A3020D3-938F-0968-5259-B34D8077B2AD}"/>
+          </ac:grpSpMkLst>
+        </pc:grpChg>
+        <pc:grpChg chg="del mod">
+          <ac:chgData name="Anita Aliu" userId="4ca58236-9e10-4da9-8b89-4f07c48ee56d" providerId="ADAL" clId="{5D59B883-21D3-43DC-8AD3-BB76E0B01A4D}" dt="2023-06-07T10:45:32.971" v="2" actId="165"/>
+          <ac:grpSpMkLst>
+            <pc:docMk/>
+            <pc:sldMk cId="22507907" sldId="256"/>
+            <ac:grpSpMk id="7" creationId="{53E42F23-0EA6-9568-2BA9-1AF4CDA71B6D}"/>
+          </ac:grpSpMkLst>
+        </pc:grpChg>
+        <pc:grpChg chg="add mod">
+          <ac:chgData name="Anita Aliu" userId="4ca58236-9e10-4da9-8b89-4f07c48ee56d" providerId="ADAL" clId="{5D59B883-21D3-43DC-8AD3-BB76E0B01A4D}" dt="2023-06-07T10:57:58.972" v="104" actId="1076"/>
+          <ac:grpSpMkLst>
+            <pc:docMk/>
+            <pc:sldMk cId="22507907" sldId="256"/>
+            <ac:grpSpMk id="13" creationId="{8AFF11B8-0BD4-1556-74E1-EE1A38E02CA4}"/>
+          </ac:grpSpMkLst>
+        </pc:grpChg>
+        <pc:grpChg chg="add mod">
+          <ac:chgData name="Anita Aliu" userId="4ca58236-9e10-4da9-8b89-4f07c48ee56d" providerId="ADAL" clId="{5D59B883-21D3-43DC-8AD3-BB76E0B01A4D}" dt="2023-06-07T10:58:07.021" v="106" actId="1076"/>
+          <ac:grpSpMkLst>
+            <pc:docMk/>
+            <pc:sldMk cId="22507907" sldId="256"/>
+            <ac:grpSpMk id="17" creationId="{3C8071D8-61C0-5438-FAB6-BF9A79C7669E}"/>
+          </ac:grpSpMkLst>
+        </pc:grpChg>
+        <pc:grpChg chg="add mod">
+          <ac:chgData name="Anita Aliu" userId="4ca58236-9e10-4da9-8b89-4f07c48ee56d" providerId="ADAL" clId="{5D59B883-21D3-43DC-8AD3-BB76E0B01A4D}" dt="2023-06-07T10:58:10.118" v="107" actId="1076"/>
+          <ac:grpSpMkLst>
+            <pc:docMk/>
+            <pc:sldMk cId="22507907" sldId="256"/>
+            <ac:grpSpMk id="24" creationId="{ECE80A69-89E8-4F6C-4FB4-B1089BBE6D8A}"/>
+          </ac:grpSpMkLst>
+        </pc:grpChg>
+        <pc:grpChg chg="add mod">
+          <ac:chgData name="Anita Aliu" userId="4ca58236-9e10-4da9-8b89-4f07c48ee56d" providerId="ADAL" clId="{5D59B883-21D3-43DC-8AD3-BB76E0B01A4D}" dt="2023-06-07T10:58:12.103" v="108" actId="1076"/>
+          <ac:grpSpMkLst>
+            <pc:docMk/>
+            <pc:sldMk cId="22507907" sldId="256"/>
+            <ac:grpSpMk id="25" creationId="{B328C4A8-1671-F971-FB08-72C0F30D0CF4}"/>
+          </ac:grpSpMkLst>
+        </pc:grpChg>
+        <pc:picChg chg="mod">
+          <ac:chgData name="Anita Aliu" userId="4ca58236-9e10-4da9-8b89-4f07c48ee56d" providerId="ADAL" clId="{5D59B883-21D3-43DC-8AD3-BB76E0B01A4D}" dt="2023-06-07T10:45:27.143" v="0"/>
+          <ac:picMkLst>
+            <pc:docMk/>
+            <pc:sldMk cId="22507907" sldId="256"/>
+            <ac:picMk id="3" creationId="{9B5E794B-7AC4-0E11-5220-C6023EF06BAB}"/>
+          </ac:picMkLst>
+        </pc:picChg>
+        <pc:picChg chg="add del mod topLvl">
+          <ac:chgData name="Anita Aliu" userId="4ca58236-9e10-4da9-8b89-4f07c48ee56d" providerId="ADAL" clId="{5D59B883-21D3-43DC-8AD3-BB76E0B01A4D}" dt="2023-06-07T10:46:22.988" v="34" actId="478"/>
+          <ac:picMkLst>
+            <pc:docMk/>
+            <pc:sldMk cId="22507907" sldId="256"/>
+            <ac:picMk id="5" creationId="{31E64D5E-06A5-E4A3-1B63-2536DD6C1EF7}"/>
+          </ac:picMkLst>
+        </pc:picChg>
+        <pc:picChg chg="add mod">
+          <ac:chgData name="Anita Aliu" userId="4ca58236-9e10-4da9-8b89-4f07c48ee56d" providerId="ADAL" clId="{5D59B883-21D3-43DC-8AD3-BB76E0B01A4D}" dt="2023-06-07T10:54:27.879" v="100" actId="1076"/>
+          <ac:picMkLst>
+            <pc:docMk/>
+            <pc:sldMk cId="22507907" sldId="256"/>
+            <ac:picMk id="10" creationId="{A1FA750B-C08B-0E7A-AD2F-998A35629ABA}"/>
+          </ac:picMkLst>
+        </pc:picChg>
+        <pc:picChg chg="add del mod">
+          <ac:chgData name="Anita Aliu" userId="4ca58236-9e10-4da9-8b89-4f07c48ee56d" providerId="ADAL" clId="{5D59B883-21D3-43DC-8AD3-BB76E0B01A4D}" dt="2023-06-07T10:47:10.486" v="51"/>
+          <ac:picMkLst>
+            <pc:docMk/>
+            <pc:sldMk cId="22507907" sldId="256"/>
+            <ac:picMk id="12" creationId="{BC59CF6E-E635-E610-EB98-B92B8BFFF915}"/>
+          </ac:picMkLst>
+        </pc:picChg>
+        <pc:picChg chg="add mod">
+          <ac:chgData name="Anita Aliu" userId="4ca58236-9e10-4da9-8b89-4f07c48ee56d" providerId="ADAL" clId="{5D59B883-21D3-43DC-8AD3-BB76E0B01A4D}" dt="2023-06-07T10:54:18.335" v="98" actId="1076"/>
+          <ac:picMkLst>
+            <pc:docMk/>
+            <pc:sldMk cId="22507907" sldId="256"/>
+            <ac:picMk id="16" creationId="{27C856F0-52A7-CC56-1681-7039B96EB079}"/>
+          </ac:picMkLst>
+        </pc:picChg>
+        <pc:picChg chg="add mod">
+          <ac:chgData name="Anita Aliu" userId="4ca58236-9e10-4da9-8b89-4f07c48ee56d" providerId="ADAL" clId="{5D59B883-21D3-43DC-8AD3-BB76E0B01A4D}" dt="2023-06-07T10:57:17.247" v="103" actId="1076"/>
+          <ac:picMkLst>
+            <pc:docMk/>
+            <pc:sldMk cId="22507907" sldId="256"/>
+            <ac:picMk id="21" creationId="{A9490DCF-AAC7-2690-3A6D-B1911976F982}"/>
+          </ac:picMkLst>
+        </pc:picChg>
+        <pc:picChg chg="add mod">
+          <ac:chgData name="Anita Aliu" userId="4ca58236-9e10-4da9-8b89-4f07c48ee56d" providerId="ADAL" clId="{5D59B883-21D3-43DC-8AD3-BB76E0B01A4D}" dt="2023-06-07T10:50:27.239" v="94" actId="2085"/>
+          <ac:picMkLst>
+            <pc:docMk/>
+            <pc:sldMk cId="22507907" sldId="256"/>
+            <ac:picMk id="23" creationId="{FA08D6D2-F4E8-9AEA-DABD-095D34815921}"/>
+          </ac:picMkLst>
+        </pc:picChg>
+      </pc:sldChg>
+      <pc:sldChg chg="addSp modSp new mod">
+        <pc:chgData name="Anita Aliu" userId="4ca58236-9e10-4da9-8b89-4f07c48ee56d" providerId="ADAL" clId="{5D59B883-21D3-43DC-8AD3-BB76E0B01A4D}" dt="2023-06-07T10:49:14.328" v="81" actId="1076"/>
+        <pc:sldMkLst>
+          <pc:docMk/>
+          <pc:sldMk cId="1870844950" sldId="257"/>
+        </pc:sldMkLst>
+        <pc:spChg chg="add mod">
+          <ac:chgData name="Anita Aliu" userId="4ca58236-9e10-4da9-8b89-4f07c48ee56d" providerId="ADAL" clId="{5D59B883-21D3-43DC-8AD3-BB76E0B01A4D}" dt="2023-06-07T10:49:14.328" v="81" actId="1076"/>
+          <ac:spMkLst>
+            <pc:docMk/>
+            <pc:sldMk cId="1870844950" sldId="257"/>
+            <ac:spMk id="2" creationId="{3E084198-F07D-CA64-853A-9648A147A0B0}"/>
+          </ac:spMkLst>
+        </pc:spChg>
+      </pc:sldChg>
+    </pc:docChg>
+  </pc:docChgLst>
+</pc:chgInfo>
 </file>
 
 <file path=ppt/slideLayouts/slideLayout1.xml><?xml version="1.0" encoding="utf-8"?>
@@ -3344,10 +3546,10 @@
       </p:grpSpPr>
       <p:grpSp>
         <p:nvGrpSpPr>
-          <p:cNvPr id="7" name="Group 6">
-            <a:extLst>
-              <a:ext uri="{FF2B5EF4-FFF2-40B4-BE49-F238E27FC236}">
-                <a16:creationId xmlns:a16="http://schemas.microsoft.com/office/drawing/2014/main" id="{53E42F23-0EA6-9568-2BA9-1AF4CDA71B6D}"/>
+          <p:cNvPr id="2" name="Group 1">
+            <a:extLst>
+              <a:ext uri="{FF2B5EF4-FFF2-40B4-BE49-F238E27FC236}">
+                <a16:creationId xmlns:a16="http://schemas.microsoft.com/office/drawing/2014/main" id="{7A3020D3-938F-0968-5259-B34D8077B2AD}"/>
               </a:ext>
             </a:extLst>
           </p:cNvPr>
@@ -3356,7 +3558,7 @@
         </p:nvGrpSpPr>
         <p:grpSpPr>
           <a:xfrm>
-            <a:off x="3626603" y="2124347"/>
+            <a:off x="395595" y="50004"/>
             <a:ext cx="4597831" cy="1859797"/>
             <a:chOff x="3626603" y="2124347"/>
             <a:chExt cx="4597831" cy="1859797"/>
@@ -3364,10 +3566,10 @@
         </p:grpSpPr>
         <p:pic>
           <p:nvPicPr>
-            <p:cNvPr id="5" name="Picture 4" descr="A picture containing logo, font, symbol, graphics&#10;&#10;Description automatically generated">
+            <p:cNvPr id="3" name="Picture 2" descr="A picture containing logo, font, symbol, graphics&#10;&#10;Description automatically generated">
               <a:extLst>
                 <a:ext uri="{FF2B5EF4-FFF2-40B4-BE49-F238E27FC236}">
-                  <a16:creationId xmlns:a16="http://schemas.microsoft.com/office/drawing/2014/main" id="{31E64D5E-06A5-E4A3-1B63-2536DD6C1EF7}"/>
+                  <a16:creationId xmlns:a16="http://schemas.microsoft.com/office/drawing/2014/main" id="{9B5E794B-7AC4-0E11-5220-C6023EF06BAB}"/>
                 </a:ext>
               </a:extLst>
             </p:cNvPr>
@@ -3400,10 +3602,10 @@
         </p:pic>
         <p:sp>
           <p:nvSpPr>
-            <p:cNvPr id="6" name="Rectangle 5">
+            <p:cNvPr id="4" name="Rectangle 3">
               <a:extLst>
                 <a:ext uri="{FF2B5EF4-FFF2-40B4-BE49-F238E27FC236}">
-                  <a16:creationId xmlns:a16="http://schemas.microsoft.com/office/drawing/2014/main" id="{67E1A4CE-F89D-061D-1C85-BD1F70CC4470}"/>
+                  <a16:creationId xmlns:a16="http://schemas.microsoft.com/office/drawing/2014/main" id="{6709020C-FDAF-3C80-D015-A2B598A4041B}"/>
                 </a:ext>
               </a:extLst>
             </p:cNvPr>
@@ -3449,10 +3651,529 @@
           </p:txBody>
         </p:sp>
       </p:grpSp>
+      <p:grpSp>
+        <p:nvGrpSpPr>
+          <p:cNvPr id="13" name="Group 12">
+            <a:extLst>
+              <a:ext uri="{FF2B5EF4-FFF2-40B4-BE49-F238E27FC236}">
+                <a16:creationId xmlns:a16="http://schemas.microsoft.com/office/drawing/2014/main" id="{8AFF11B8-0BD4-1556-74E1-EE1A38E02CA4}"/>
+              </a:ext>
+            </a:extLst>
+          </p:cNvPr>
+          <p:cNvGrpSpPr/>
+          <p:nvPr/>
+        </p:nvGrpSpPr>
+        <p:grpSpPr>
+          <a:xfrm>
+            <a:off x="6650340" y="0"/>
+            <a:ext cx="4597831" cy="1859797"/>
+            <a:chOff x="51756" y="4908692"/>
+            <a:chExt cx="4597831" cy="1859797"/>
+          </a:xfrm>
+        </p:grpSpPr>
+        <p:sp>
+          <p:nvSpPr>
+            <p:cNvPr id="8" name="Rectangle 7">
+              <a:extLst>
+                <a:ext uri="{FF2B5EF4-FFF2-40B4-BE49-F238E27FC236}">
+                  <a16:creationId xmlns:a16="http://schemas.microsoft.com/office/drawing/2014/main" id="{C0D070FE-5563-3E15-A756-D0D10E648D41}"/>
+                </a:ext>
+              </a:extLst>
+            </p:cNvPr>
+            <p:cNvSpPr/>
+            <p:nvPr/>
+          </p:nvSpPr>
+          <p:spPr>
+            <a:xfrm>
+              <a:off x="51756" y="4908692"/>
+              <a:ext cx="4597831" cy="1859797"/>
+            </a:xfrm>
+            <a:prstGeom prst="rect">
+              <a:avLst/>
+            </a:prstGeom>
+            <a:noFill/>
+            <a:ln>
+              <a:noFill/>
+            </a:ln>
+          </p:spPr>
+          <p:style>
+            <a:lnRef idx="2">
+              <a:schemeClr val="accent1">
+                <a:shade val="50000"/>
+              </a:schemeClr>
+            </a:lnRef>
+            <a:fillRef idx="1">
+              <a:schemeClr val="accent1"/>
+            </a:fillRef>
+            <a:effectRef idx="0">
+              <a:schemeClr val="accent1"/>
+            </a:effectRef>
+            <a:fontRef idx="minor">
+              <a:schemeClr val="lt1"/>
+            </a:fontRef>
+          </p:style>
+          <p:txBody>
+            <a:bodyPr rtlCol="0" anchor="ctr"/>
+            <a:lstStyle/>
+            <a:p>
+              <a:pPr algn="ctr"/>
+              <a:endParaRPr lang="en-GB" dirty="0"/>
+            </a:p>
+          </p:txBody>
+        </p:sp>
+        <p:pic>
+          <p:nvPicPr>
+            <p:cNvPr id="10" name="Picture 9" descr="A picture containing text, font, logo, graphics&#10;&#10;Description automatically generated">
+              <a:extLst>
+                <a:ext uri="{FF2B5EF4-FFF2-40B4-BE49-F238E27FC236}">
+                  <a16:creationId xmlns:a16="http://schemas.microsoft.com/office/drawing/2014/main" id="{A1FA750B-C08B-0E7A-AD2F-998A35629ABA}"/>
+                </a:ext>
+              </a:extLst>
+            </p:cNvPr>
+            <p:cNvPicPr>
+              <a:picLocks noChangeAspect="1"/>
+            </p:cNvPicPr>
+            <p:nvPr/>
+          </p:nvPicPr>
+          <p:blipFill>
+            <a:blip r:embed="rId3">
+              <a:extLst>
+                <a:ext uri="{28A0092B-C50C-407E-A947-70E740481C1C}">
+                  <a14:useLocalDpi xmlns:a14="http://schemas.microsoft.com/office/drawing/2010/main" val="0"/>
+                </a:ext>
+              </a:extLst>
+            </a:blip>
+            <a:stretch>
+              <a:fillRect/>
+            </a:stretch>
+          </p:blipFill>
+          <p:spPr>
+            <a:xfrm>
+              <a:off x="731421" y="5178544"/>
+              <a:ext cx="3238500" cy="1320094"/>
+            </a:xfrm>
+            <a:prstGeom prst="rect">
+              <a:avLst/>
+            </a:prstGeom>
+          </p:spPr>
+        </p:pic>
+      </p:grpSp>
+      <p:grpSp>
+        <p:nvGrpSpPr>
+          <p:cNvPr id="17" name="Group 16">
+            <a:extLst>
+              <a:ext uri="{FF2B5EF4-FFF2-40B4-BE49-F238E27FC236}">
+                <a16:creationId xmlns:a16="http://schemas.microsoft.com/office/drawing/2014/main" id="{3C8071D8-61C0-5438-FAB6-BF9A79C7669E}"/>
+              </a:ext>
+            </a:extLst>
+          </p:cNvPr>
+          <p:cNvGrpSpPr/>
+          <p:nvPr/>
+        </p:nvGrpSpPr>
+        <p:grpSpPr>
+          <a:xfrm>
+            <a:off x="490487" y="2148007"/>
+            <a:ext cx="4597831" cy="1859797"/>
+            <a:chOff x="190415" y="4490256"/>
+            <a:chExt cx="4597831" cy="1859797"/>
+          </a:xfrm>
+        </p:grpSpPr>
+        <p:sp>
+          <p:nvSpPr>
+            <p:cNvPr id="14" name="Rectangle 13">
+              <a:extLst>
+                <a:ext uri="{FF2B5EF4-FFF2-40B4-BE49-F238E27FC236}">
+                  <a16:creationId xmlns:a16="http://schemas.microsoft.com/office/drawing/2014/main" id="{46E9E1D7-8DEB-1778-75D4-5C36E4887E7D}"/>
+                </a:ext>
+              </a:extLst>
+            </p:cNvPr>
+            <p:cNvSpPr/>
+            <p:nvPr/>
+          </p:nvSpPr>
+          <p:spPr>
+            <a:xfrm>
+              <a:off x="190415" y="4490256"/>
+              <a:ext cx="4597831" cy="1859797"/>
+            </a:xfrm>
+            <a:prstGeom prst="rect">
+              <a:avLst/>
+            </a:prstGeom>
+            <a:noFill/>
+            <a:ln>
+              <a:noFill/>
+            </a:ln>
+          </p:spPr>
+          <p:style>
+            <a:lnRef idx="2">
+              <a:schemeClr val="accent1">
+                <a:shade val="50000"/>
+              </a:schemeClr>
+            </a:lnRef>
+            <a:fillRef idx="1">
+              <a:schemeClr val="accent1"/>
+            </a:fillRef>
+            <a:effectRef idx="0">
+              <a:schemeClr val="accent1"/>
+            </a:effectRef>
+            <a:fontRef idx="minor">
+              <a:schemeClr val="lt1"/>
+            </a:fontRef>
+          </p:style>
+          <p:txBody>
+            <a:bodyPr rtlCol="0" anchor="ctr"/>
+            <a:lstStyle/>
+            <a:p>
+              <a:pPr algn="ctr"/>
+              <a:endParaRPr lang="en-GB"/>
+            </a:p>
+          </p:txBody>
+        </p:sp>
+        <p:pic>
+          <p:nvPicPr>
+            <p:cNvPr id="16" name="Picture 15" descr="A picture containing text, font, screenshot, graphics&#10;&#10;Description automatically generated">
+              <a:extLst>
+                <a:ext uri="{FF2B5EF4-FFF2-40B4-BE49-F238E27FC236}">
+                  <a16:creationId xmlns:a16="http://schemas.microsoft.com/office/drawing/2014/main" id="{27C856F0-52A7-CC56-1681-7039B96EB079}"/>
+                </a:ext>
+              </a:extLst>
+            </p:cNvPr>
+            <p:cNvPicPr>
+              <a:picLocks noChangeAspect="1"/>
+            </p:cNvPicPr>
+            <p:nvPr/>
+          </p:nvPicPr>
+          <p:blipFill>
+            <a:blip r:embed="rId4">
+              <a:extLst>
+                <a:ext uri="{28A0092B-C50C-407E-A947-70E740481C1C}">
+                  <a14:useLocalDpi xmlns:a14="http://schemas.microsoft.com/office/drawing/2010/main" val="0"/>
+                </a:ext>
+              </a:extLst>
+            </a:blip>
+            <a:stretch>
+              <a:fillRect/>
+            </a:stretch>
+          </p:blipFill>
+          <p:spPr>
+            <a:xfrm>
+              <a:off x="943787" y="4627488"/>
+              <a:ext cx="3091086" cy="1585331"/>
+            </a:xfrm>
+            <a:prstGeom prst="rect">
+              <a:avLst/>
+            </a:prstGeom>
+            <a:ln>
+              <a:noFill/>
+            </a:ln>
+          </p:spPr>
+        </p:pic>
+      </p:grpSp>
+      <p:grpSp>
+        <p:nvGrpSpPr>
+          <p:cNvPr id="25" name="Group 24">
+            <a:extLst>
+              <a:ext uri="{FF2B5EF4-FFF2-40B4-BE49-F238E27FC236}">
+                <a16:creationId xmlns:a16="http://schemas.microsoft.com/office/drawing/2014/main" id="{B328C4A8-1671-F971-FB08-72C0F30D0CF4}"/>
+              </a:ext>
+            </a:extLst>
+          </p:cNvPr>
+          <p:cNvGrpSpPr/>
+          <p:nvPr/>
+        </p:nvGrpSpPr>
+        <p:grpSpPr>
+          <a:xfrm>
+            <a:off x="903532" y="4577031"/>
+            <a:ext cx="4597831" cy="1859797"/>
+            <a:chOff x="5794710" y="4448739"/>
+            <a:chExt cx="4597831" cy="1859797"/>
+          </a:xfrm>
+        </p:grpSpPr>
+        <p:sp>
+          <p:nvSpPr>
+            <p:cNvPr id="19" name="Rectangle 18">
+              <a:extLst>
+                <a:ext uri="{FF2B5EF4-FFF2-40B4-BE49-F238E27FC236}">
+                  <a16:creationId xmlns:a16="http://schemas.microsoft.com/office/drawing/2014/main" id="{09DDFDA7-85D0-E4B7-F4F5-F919165D87D1}"/>
+                </a:ext>
+              </a:extLst>
+            </p:cNvPr>
+            <p:cNvSpPr/>
+            <p:nvPr/>
+          </p:nvSpPr>
+          <p:spPr>
+            <a:xfrm>
+              <a:off x="5794710" y="4448739"/>
+              <a:ext cx="4597831" cy="1859797"/>
+            </a:xfrm>
+            <a:prstGeom prst="rect">
+              <a:avLst/>
+            </a:prstGeom>
+            <a:noFill/>
+            <a:ln>
+              <a:noFill/>
+            </a:ln>
+          </p:spPr>
+          <p:style>
+            <a:lnRef idx="2">
+              <a:schemeClr val="accent1">
+                <a:shade val="50000"/>
+              </a:schemeClr>
+            </a:lnRef>
+            <a:fillRef idx="1">
+              <a:schemeClr val="accent1"/>
+            </a:fillRef>
+            <a:effectRef idx="0">
+              <a:schemeClr val="accent1"/>
+            </a:effectRef>
+            <a:fontRef idx="minor">
+              <a:schemeClr val="lt1"/>
+            </a:fontRef>
+          </p:style>
+          <p:txBody>
+            <a:bodyPr rtlCol="0" anchor="ctr"/>
+            <a:lstStyle/>
+            <a:p>
+              <a:pPr algn="ctr"/>
+              <a:endParaRPr lang="en-GB"/>
+            </a:p>
+          </p:txBody>
+        </p:sp>
+        <p:pic>
+          <p:nvPicPr>
+            <p:cNvPr id="21" name="Picture 20" descr="A picture containing font, graphics, text, design&#10;&#10;Description automatically generated">
+              <a:extLst>
+                <a:ext uri="{FF2B5EF4-FFF2-40B4-BE49-F238E27FC236}">
+                  <a16:creationId xmlns:a16="http://schemas.microsoft.com/office/drawing/2014/main" id="{A9490DCF-AAC7-2690-3A6D-B1911976F982}"/>
+                </a:ext>
+              </a:extLst>
+            </p:cNvPr>
+            <p:cNvPicPr>
+              <a:picLocks noChangeAspect="1"/>
+            </p:cNvPicPr>
+            <p:nvPr/>
+          </p:nvPicPr>
+          <p:blipFill>
+            <a:blip r:embed="rId5">
+              <a:extLst>
+                <a:ext uri="{28A0092B-C50C-407E-A947-70E740481C1C}">
+                  <a14:useLocalDpi xmlns:a14="http://schemas.microsoft.com/office/drawing/2010/main" val="0"/>
+                </a:ext>
+              </a:extLst>
+            </a:blip>
+            <a:stretch>
+              <a:fillRect/>
+            </a:stretch>
+          </p:blipFill>
+          <p:spPr>
+            <a:xfrm>
+              <a:off x="6690403" y="4758353"/>
+              <a:ext cx="2806444" cy="1418136"/>
+            </a:xfrm>
+            <a:prstGeom prst="rect">
+              <a:avLst/>
+            </a:prstGeom>
+            <a:ln>
+              <a:noFill/>
+            </a:ln>
+          </p:spPr>
+        </p:pic>
+      </p:grpSp>
+      <p:grpSp>
+        <p:nvGrpSpPr>
+          <p:cNvPr id="24" name="Group 23">
+            <a:extLst>
+              <a:ext uri="{FF2B5EF4-FFF2-40B4-BE49-F238E27FC236}">
+                <a16:creationId xmlns:a16="http://schemas.microsoft.com/office/drawing/2014/main" id="{ECE80A69-89E8-4F6C-4FB4-B1089BBE6D8A}"/>
+              </a:ext>
+            </a:extLst>
+          </p:cNvPr>
+          <p:cNvGrpSpPr/>
+          <p:nvPr/>
+        </p:nvGrpSpPr>
+        <p:grpSpPr>
+          <a:xfrm>
+            <a:off x="6690403" y="2010773"/>
+            <a:ext cx="4597831" cy="1859797"/>
+            <a:chOff x="5676815" y="2026893"/>
+            <a:chExt cx="4597831" cy="1859797"/>
+          </a:xfrm>
+        </p:grpSpPr>
+        <p:sp>
+          <p:nvSpPr>
+            <p:cNvPr id="18" name="Rectangle 17">
+              <a:extLst>
+                <a:ext uri="{FF2B5EF4-FFF2-40B4-BE49-F238E27FC236}">
+                  <a16:creationId xmlns:a16="http://schemas.microsoft.com/office/drawing/2014/main" id="{721BB292-0E99-AC3E-1986-BEAFA9280261}"/>
+                </a:ext>
+              </a:extLst>
+            </p:cNvPr>
+            <p:cNvSpPr/>
+            <p:nvPr/>
+          </p:nvSpPr>
+          <p:spPr>
+            <a:xfrm>
+              <a:off x="5676815" y="2026893"/>
+              <a:ext cx="4597831" cy="1859797"/>
+            </a:xfrm>
+            <a:prstGeom prst="rect">
+              <a:avLst/>
+            </a:prstGeom>
+            <a:noFill/>
+            <a:ln>
+              <a:noFill/>
+            </a:ln>
+          </p:spPr>
+          <p:style>
+            <a:lnRef idx="2">
+              <a:schemeClr val="accent1">
+                <a:shade val="50000"/>
+              </a:schemeClr>
+            </a:lnRef>
+            <a:fillRef idx="1">
+              <a:schemeClr val="accent1"/>
+            </a:fillRef>
+            <a:effectRef idx="0">
+              <a:schemeClr val="accent1"/>
+            </a:effectRef>
+            <a:fontRef idx="minor">
+              <a:schemeClr val="lt1"/>
+            </a:fontRef>
+          </p:style>
+          <p:txBody>
+            <a:bodyPr rtlCol="0" anchor="ctr"/>
+            <a:lstStyle/>
+            <a:p>
+              <a:pPr algn="ctr"/>
+              <a:endParaRPr lang="en-GB"/>
+            </a:p>
+          </p:txBody>
+        </p:sp>
+        <p:pic>
+          <p:nvPicPr>
+            <p:cNvPr id="23" name="Picture 22" descr="A close up of a logo&#10;&#10;Description automatically generated with medium confidence">
+              <a:extLst>
+                <a:ext uri="{FF2B5EF4-FFF2-40B4-BE49-F238E27FC236}">
+                  <a16:creationId xmlns:a16="http://schemas.microsoft.com/office/drawing/2014/main" id="{FA08D6D2-F4E8-9AEA-DABD-095D34815921}"/>
+                </a:ext>
+              </a:extLst>
+            </p:cNvPr>
+            <p:cNvPicPr>
+              <a:picLocks noChangeAspect="1"/>
+            </p:cNvPicPr>
+            <p:nvPr/>
+          </p:nvPicPr>
+          <p:blipFill>
+            <a:blip r:embed="rId6">
+              <a:extLst>
+                <a:ext uri="{28A0092B-C50C-407E-A947-70E740481C1C}">
+                  <a14:useLocalDpi xmlns:a14="http://schemas.microsoft.com/office/drawing/2010/main" val="0"/>
+                </a:ext>
+              </a:extLst>
+            </a:blip>
+            <a:stretch>
+              <a:fillRect/>
+            </a:stretch>
+          </p:blipFill>
+          <p:spPr>
+            <a:xfrm>
+              <a:off x="6124341" y="2323559"/>
+              <a:ext cx="3702778" cy="1266464"/>
+            </a:xfrm>
+            <a:prstGeom prst="rect">
+              <a:avLst/>
+            </a:prstGeom>
+            <a:ln>
+              <a:noFill/>
+            </a:ln>
+          </p:spPr>
+        </p:pic>
+      </p:grpSp>
     </p:spTree>
     <p:extLst>
       <p:ext uri="{BB962C8B-B14F-4D97-AF65-F5344CB8AC3E}">
         <p14:creationId xmlns:p14="http://schemas.microsoft.com/office/powerpoint/2010/main" val="22507907"/>
+      </p:ext>
+    </p:extLst>
+  </p:cSld>
+  <p:clrMapOvr>
+    <a:masterClrMapping/>
+  </p:clrMapOvr>
+</p:sld>
+</file>
+
+<file path=ppt/slides/slide2.xml><?xml version="1.0" encoding="utf-8"?>
+<p:sld xmlns:a="http://schemas.openxmlformats.org/drawingml/2006/main" xmlns:r="http://schemas.openxmlformats.org/officeDocument/2006/relationships" xmlns:p="http://schemas.openxmlformats.org/presentationml/2006/main">
+  <p:cSld>
+    <p:spTree>
+      <p:nvGrpSpPr>
+        <p:cNvPr id="1" name=""/>
+        <p:cNvGrpSpPr/>
+        <p:nvPr/>
+      </p:nvGrpSpPr>
+      <p:grpSpPr>
+        <a:xfrm>
+          <a:off x="0" y="0"/>
+          <a:ext cx="0" cy="0"/>
+          <a:chOff x="0" y="0"/>
+          <a:chExt cx="0" cy="0"/>
+        </a:xfrm>
+      </p:grpSpPr>
+      <p:sp>
+        <p:nvSpPr>
+          <p:cNvPr id="2" name="Rectangle 1">
+            <a:extLst>
+              <a:ext uri="{FF2B5EF4-FFF2-40B4-BE49-F238E27FC236}">
+                <a16:creationId xmlns:a16="http://schemas.microsoft.com/office/drawing/2014/main" id="{3E084198-F07D-CA64-853A-9648A147A0B0}"/>
+              </a:ext>
+            </a:extLst>
+          </p:cNvPr>
+          <p:cNvSpPr/>
+          <p:nvPr/>
+        </p:nvSpPr>
+        <p:spPr>
+          <a:xfrm>
+            <a:off x="3894023" y="2779953"/>
+            <a:ext cx="4597831" cy="1859797"/>
+          </a:xfrm>
+          <a:prstGeom prst="rect">
+            <a:avLst/>
+          </a:prstGeom>
+          <a:noFill/>
+          <a:ln>
+            <a:solidFill>
+              <a:schemeClr val="tx1"/>
+            </a:solidFill>
+          </a:ln>
+        </p:spPr>
+        <p:style>
+          <a:lnRef idx="2">
+            <a:schemeClr val="accent1">
+              <a:shade val="50000"/>
+            </a:schemeClr>
+          </a:lnRef>
+          <a:fillRef idx="1">
+            <a:schemeClr val="accent1"/>
+          </a:fillRef>
+          <a:effectRef idx="0">
+            <a:schemeClr val="accent1"/>
+          </a:effectRef>
+          <a:fontRef idx="minor">
+            <a:schemeClr val="lt1"/>
+          </a:fontRef>
+        </p:style>
+        <p:txBody>
+          <a:bodyPr rtlCol="0" anchor="ctr"/>
+          <a:lstStyle/>
+          <a:p>
+            <a:pPr algn="ctr"/>
+            <a:endParaRPr lang="en-GB"/>
+          </a:p>
+        </p:txBody>
+      </p:sp>
+    </p:spTree>
+    <p:extLst>
+      <p:ext uri="{BB962C8B-B14F-4D97-AF65-F5344CB8AC3E}">
+        <p14:creationId xmlns:p14="http://schemas.microsoft.com/office/powerpoint/2010/main" val="1870844950"/>
       </p:ext>
     </p:extLst>
   </p:cSld>

--- a/images/image_modifications.pptx
+++ b/images/image_modifications.pptx
@@ -126,12 +126,12 @@
   <pc:docChgLst>
     <pc:chgData name="Anita Aliu" userId="4ca58236-9e10-4da9-8b89-4f07c48ee56d" providerId="ADAL" clId="{5D59B883-21D3-43DC-8AD3-BB76E0B01A4D}"/>
     <pc:docChg chg="undo custSel addSld modSld">
-      <pc:chgData name="Anita Aliu" userId="4ca58236-9e10-4da9-8b89-4f07c48ee56d" providerId="ADAL" clId="{5D59B883-21D3-43DC-8AD3-BB76E0B01A4D}" dt="2023-06-07T10:58:12.103" v="108" actId="1076"/>
+      <pc:chgData name="Anita Aliu" userId="4ca58236-9e10-4da9-8b89-4f07c48ee56d" providerId="ADAL" clId="{5D59B883-21D3-43DC-8AD3-BB76E0B01A4D}" dt="2023-06-07T11:06:20.159" v="133" actId="1076"/>
       <pc:docMkLst>
         <pc:docMk/>
       </pc:docMkLst>
       <pc:sldChg chg="addSp delSp modSp mod">
-        <pc:chgData name="Anita Aliu" userId="4ca58236-9e10-4da9-8b89-4f07c48ee56d" providerId="ADAL" clId="{5D59B883-21D3-43DC-8AD3-BB76E0B01A4D}" dt="2023-06-07T10:58:12.103" v="108" actId="1076"/>
+        <pc:chgData name="Anita Aliu" userId="4ca58236-9e10-4da9-8b89-4f07c48ee56d" providerId="ADAL" clId="{5D59B883-21D3-43DC-8AD3-BB76E0B01A4D}" dt="2023-06-07T11:06:20.159" v="133" actId="1076"/>
         <pc:sldMkLst>
           <pc:docMk/>
           <pc:sldMk cId="22507907" sldId="256"/>
@@ -185,7 +185,7 @@
           </ac:spMkLst>
         </pc:spChg>
         <pc:grpChg chg="add mod">
-          <ac:chgData name="Anita Aliu" userId="4ca58236-9e10-4da9-8b89-4f07c48ee56d" providerId="ADAL" clId="{5D59B883-21D3-43DC-8AD3-BB76E0B01A4D}" dt="2023-06-07T10:58:02.292" v="105" actId="1076"/>
+          <ac:chgData name="Anita Aliu" userId="4ca58236-9e10-4da9-8b89-4f07c48ee56d" providerId="ADAL" clId="{5D59B883-21D3-43DC-8AD3-BB76E0B01A4D}" dt="2023-06-07T11:06:12.870" v="131" actId="1076"/>
           <ac:grpSpMkLst>
             <pc:docMk/>
             <pc:sldMk cId="22507907" sldId="256"/>
@@ -201,7 +201,7 @@
           </ac:grpSpMkLst>
         </pc:grpChg>
         <pc:grpChg chg="add mod">
-          <ac:chgData name="Anita Aliu" userId="4ca58236-9e10-4da9-8b89-4f07c48ee56d" providerId="ADAL" clId="{5D59B883-21D3-43DC-8AD3-BB76E0B01A4D}" dt="2023-06-07T10:57:58.972" v="104" actId="1076"/>
+          <ac:chgData name="Anita Aliu" userId="4ca58236-9e10-4da9-8b89-4f07c48ee56d" providerId="ADAL" clId="{5D59B883-21D3-43DC-8AD3-BB76E0B01A4D}" dt="2023-06-07T11:04:24.400" v="117" actId="1076"/>
           <ac:grpSpMkLst>
             <pc:docMk/>
             <pc:sldMk cId="22507907" sldId="256"/>
@@ -209,7 +209,7 @@
           </ac:grpSpMkLst>
         </pc:grpChg>
         <pc:grpChg chg="add mod">
-          <ac:chgData name="Anita Aliu" userId="4ca58236-9e10-4da9-8b89-4f07c48ee56d" providerId="ADAL" clId="{5D59B883-21D3-43DC-8AD3-BB76E0B01A4D}" dt="2023-06-07T10:58:07.021" v="106" actId="1076"/>
+          <ac:chgData name="Anita Aliu" userId="4ca58236-9e10-4da9-8b89-4f07c48ee56d" providerId="ADAL" clId="{5D59B883-21D3-43DC-8AD3-BB76E0B01A4D}" dt="2023-06-07T11:06:09.710" v="130" actId="1076"/>
           <ac:grpSpMkLst>
             <pc:docMk/>
             <pc:sldMk cId="22507907" sldId="256"/>
@@ -217,7 +217,7 @@
           </ac:grpSpMkLst>
         </pc:grpChg>
         <pc:grpChg chg="add mod">
-          <ac:chgData name="Anita Aliu" userId="4ca58236-9e10-4da9-8b89-4f07c48ee56d" providerId="ADAL" clId="{5D59B883-21D3-43DC-8AD3-BB76E0B01A4D}" dt="2023-06-07T10:58:10.118" v="107" actId="1076"/>
+          <ac:chgData name="Anita Aliu" userId="4ca58236-9e10-4da9-8b89-4f07c48ee56d" providerId="ADAL" clId="{5D59B883-21D3-43DC-8AD3-BB76E0B01A4D}" dt="2023-06-07T11:04:21.726" v="116" actId="1076"/>
           <ac:grpSpMkLst>
             <pc:docMk/>
             <pc:sldMk cId="22507907" sldId="256"/>
@@ -225,7 +225,7 @@
           </ac:grpSpMkLst>
         </pc:grpChg>
         <pc:grpChg chg="add mod">
-          <ac:chgData name="Anita Aliu" userId="4ca58236-9e10-4da9-8b89-4f07c48ee56d" providerId="ADAL" clId="{5D59B883-21D3-43DC-8AD3-BB76E0B01A4D}" dt="2023-06-07T10:58:12.103" v="108" actId="1076"/>
+          <ac:chgData name="Anita Aliu" userId="4ca58236-9e10-4da9-8b89-4f07c48ee56d" providerId="ADAL" clId="{5D59B883-21D3-43DC-8AD3-BB76E0B01A4D}" dt="2023-06-07T11:06:06.205" v="129" actId="1076"/>
           <ac:grpSpMkLst>
             <pc:docMk/>
             <pc:sldMk cId="22507907" sldId="256"/>
@@ -233,7 +233,7 @@
           </ac:grpSpMkLst>
         </pc:grpChg>
         <pc:picChg chg="mod">
-          <ac:chgData name="Anita Aliu" userId="4ca58236-9e10-4da9-8b89-4f07c48ee56d" providerId="ADAL" clId="{5D59B883-21D3-43DC-8AD3-BB76E0B01A4D}" dt="2023-06-07T10:45:27.143" v="0"/>
+          <ac:chgData name="Anita Aliu" userId="4ca58236-9e10-4da9-8b89-4f07c48ee56d" providerId="ADAL" clId="{5D59B883-21D3-43DC-8AD3-BB76E0B01A4D}" dt="2023-06-07T11:06:20.159" v="133" actId="1076"/>
           <ac:picMkLst>
             <pc:docMk/>
             <pc:sldMk cId="22507907" sldId="256"/>
@@ -249,7 +249,7 @@
           </ac:picMkLst>
         </pc:picChg>
         <pc:picChg chg="add mod">
-          <ac:chgData name="Anita Aliu" userId="4ca58236-9e10-4da9-8b89-4f07c48ee56d" providerId="ADAL" clId="{5D59B883-21D3-43DC-8AD3-BB76E0B01A4D}" dt="2023-06-07T10:54:27.879" v="100" actId="1076"/>
+          <ac:chgData name="Anita Aliu" userId="4ca58236-9e10-4da9-8b89-4f07c48ee56d" providerId="ADAL" clId="{5D59B883-21D3-43DC-8AD3-BB76E0B01A4D}" dt="2023-06-07T11:04:31.872" v="119" actId="1076"/>
           <ac:picMkLst>
             <pc:docMk/>
             <pc:sldMk cId="22507907" sldId="256"/>
@@ -265,7 +265,7 @@
           </ac:picMkLst>
         </pc:picChg>
         <pc:picChg chg="add mod">
-          <ac:chgData name="Anita Aliu" userId="4ca58236-9e10-4da9-8b89-4f07c48ee56d" providerId="ADAL" clId="{5D59B883-21D3-43DC-8AD3-BB76E0B01A4D}" dt="2023-06-07T10:54:18.335" v="98" actId="1076"/>
+          <ac:chgData name="Anita Aliu" userId="4ca58236-9e10-4da9-8b89-4f07c48ee56d" providerId="ADAL" clId="{5D59B883-21D3-43DC-8AD3-BB76E0B01A4D}" dt="2023-06-07T11:05:49.220" v="127" actId="1035"/>
           <ac:picMkLst>
             <pc:docMk/>
             <pc:sldMk cId="22507907" sldId="256"/>
@@ -273,7 +273,7 @@
           </ac:picMkLst>
         </pc:picChg>
         <pc:picChg chg="add mod">
-          <ac:chgData name="Anita Aliu" userId="4ca58236-9e10-4da9-8b89-4f07c48ee56d" providerId="ADAL" clId="{5D59B883-21D3-43DC-8AD3-BB76E0B01A4D}" dt="2023-06-07T10:57:17.247" v="103" actId="1076"/>
+          <ac:chgData name="Anita Aliu" userId="4ca58236-9e10-4da9-8b89-4f07c48ee56d" providerId="ADAL" clId="{5D59B883-21D3-43DC-8AD3-BB76E0B01A4D}" dt="2023-06-07T11:04:01.061" v="112" actId="14100"/>
           <ac:picMkLst>
             <pc:docMk/>
             <pc:sldMk cId="22507907" sldId="256"/>
@@ -281,7 +281,7 @@
           </ac:picMkLst>
         </pc:picChg>
         <pc:picChg chg="add mod">
-          <ac:chgData name="Anita Aliu" userId="4ca58236-9e10-4da9-8b89-4f07c48ee56d" providerId="ADAL" clId="{5D59B883-21D3-43DC-8AD3-BB76E0B01A4D}" dt="2023-06-07T10:50:27.239" v="94" actId="2085"/>
+          <ac:chgData name="Anita Aliu" userId="4ca58236-9e10-4da9-8b89-4f07c48ee56d" providerId="ADAL" clId="{5D59B883-21D3-43DC-8AD3-BB76E0B01A4D}" dt="2023-06-07T11:05:01.732" v="121" actId="1076"/>
           <ac:picMkLst>
             <pc:docMk/>
             <pc:sldMk cId="22507907" sldId="256"/>
@@ -3558,7 +3558,7 @@
         </p:nvGrpSpPr>
         <p:grpSpPr>
           <a:xfrm>
-            <a:off x="395595" y="50004"/>
+            <a:off x="723399" y="208818"/>
             <a:ext cx="4597831" cy="1859797"/>
             <a:chOff x="3626603" y="2124347"/>
             <a:chExt cx="4597831" cy="1859797"/>
@@ -3592,8 +3592,8 @@
           </p:blipFill>
           <p:spPr>
             <a:xfrm>
-              <a:off x="5290597" y="2495515"/>
-              <a:ext cx="1269841" cy="1117460"/>
+              <a:off x="5418971" y="2357147"/>
+              <a:ext cx="1269841" cy="1394195"/>
             </a:xfrm>
             <a:prstGeom prst="rect">
               <a:avLst/>
@@ -3665,7 +3665,7 @@
         </p:nvGrpSpPr>
         <p:grpSpPr>
           <a:xfrm>
-            <a:off x="6650340" y="0"/>
+            <a:off x="6623508" y="481275"/>
             <a:ext cx="4597831" cy="1859797"/>
             <a:chOff x="51756" y="4908692"/>
             <a:chExt cx="4597831" cy="1859797"/>
@@ -3749,8 +3749,8 @@
           </p:blipFill>
           <p:spPr>
             <a:xfrm>
-              <a:off x="731421" y="5178544"/>
-              <a:ext cx="3238500" cy="1320094"/>
+              <a:off x="731421" y="5074711"/>
+              <a:ext cx="3238500" cy="1527757"/>
             </a:xfrm>
             <a:prstGeom prst="rect">
               <a:avLst/>
@@ -3772,10 +3772,10 @@
         </p:nvGrpSpPr>
         <p:grpSpPr>
           <a:xfrm>
-            <a:off x="490487" y="2148007"/>
-            <a:ext cx="4597831" cy="1859797"/>
+            <a:off x="851773" y="2341072"/>
+            <a:ext cx="4597831" cy="1886935"/>
             <a:chOff x="190415" y="4490256"/>
-            <a:chExt cx="4597831" cy="1859797"/>
+            <a:chExt cx="4597831" cy="1886935"/>
           </a:xfrm>
         </p:grpSpPr>
         <p:sp>
@@ -3856,8 +3856,8 @@
           </p:blipFill>
           <p:spPr>
             <a:xfrm>
-              <a:off x="943787" y="4627488"/>
-              <a:ext cx="3091086" cy="1585331"/>
+              <a:off x="1007613" y="4517394"/>
+              <a:ext cx="2963434" cy="1859797"/>
             </a:xfrm>
             <a:prstGeom prst="rect">
               <a:avLst/>
@@ -3882,7 +3882,7 @@
         </p:nvGrpSpPr>
         <p:grpSpPr>
           <a:xfrm>
-            <a:off x="903532" y="4577031"/>
+            <a:off x="851774" y="4827197"/>
             <a:ext cx="4597831" cy="1859797"/>
             <a:chOff x="5794710" y="4448739"/>
             <a:chExt cx="4597831" cy="1859797"/>
@@ -3966,8 +3966,8 @@
           </p:blipFill>
           <p:spPr>
             <a:xfrm>
-              <a:off x="6690403" y="4758353"/>
-              <a:ext cx="2806444" cy="1418136"/>
+              <a:off x="6690403" y="4448739"/>
+              <a:ext cx="2806444" cy="1859796"/>
             </a:xfrm>
             <a:prstGeom prst="rect">
               <a:avLst/>
@@ -3992,7 +3992,7 @@
         </p:nvGrpSpPr>
         <p:grpSpPr>
           <a:xfrm>
-            <a:off x="6690403" y="2010773"/>
+            <a:off x="6862931" y="3194479"/>
             <a:ext cx="4597831" cy="1859797"/>
             <a:chOff x="5676815" y="2026893"/>
             <a:chExt cx="4597831" cy="1859797"/>
@@ -4076,8 +4076,8 @@
           </p:blipFill>
           <p:spPr>
             <a:xfrm>
-              <a:off x="6124341" y="2323559"/>
-              <a:ext cx="3702778" cy="1266464"/>
+              <a:off x="6317087" y="2179876"/>
+              <a:ext cx="3317286" cy="1553830"/>
             </a:xfrm>
             <a:prstGeom prst="rect">
               <a:avLst/>
